--- a/PowerPoint/main.pptx
+++ b/PowerPoint/main.pptx
@@ -5,7 +5,7 @@
     <p:sldMasterId id="2147483660" r:id="rId1"/>
   </p:sldMasterIdLst>
   <p:notesMasterIdLst>
-    <p:notesMasterId r:id="rId15"/>
+    <p:notesMasterId r:id="rId20"/>
   </p:notesMasterIdLst>
   <p:sldIdLst>
     <p:sldId id="257" r:id="rId2"/>
@@ -21,6 +21,11 @@
     <p:sldId id="272" r:id="rId12"/>
     <p:sldId id="264" r:id="rId13"/>
     <p:sldId id="273" r:id="rId14"/>
+    <p:sldId id="274" r:id="rId15"/>
+    <p:sldId id="275" r:id="rId16"/>
+    <p:sldId id="276" r:id="rId17"/>
+    <p:sldId id="277" r:id="rId18"/>
+    <p:sldId id="278" r:id="rId19"/>
   </p:sldIdLst>
   <p:sldSz cx="9144000" cy="6858000" type="screen4x3"/>
   <p:notesSz cx="6858000" cy="9144000"/>
@@ -209,7 +214,7 @@
           <a:p>
             <a:fld id="{4C664BD9-BAAF-4144-B16D-3D7F79BFB6AA}" type="datetimeFigureOut">
               <a:rPr lang="de-DE" smtClean="0"/>
-              <a:t>13.04.2022</a:t>
+              <a:t>14.04.2022</a:t>
             </a:fld>
             <a:endParaRPr lang="de-DE"/>
           </a:p>
@@ -607,7 +612,7 @@
           <a:p>
             <a:fld id="{3A04F0F2-5030-4112-AB0D-E49B0084C546}" type="datetime1">
               <a:rPr lang="de-DE" smtClean="0"/>
-              <a:t>13.04.2022</a:t>
+              <a:t>14.04.2022</a:t>
             </a:fld>
             <a:endParaRPr lang="de-DE"/>
           </a:p>
@@ -780,7 +785,7 @@
           <a:p>
             <a:fld id="{58DC3475-0153-4CB8-8276-08F5EB44B117}" type="datetime1">
               <a:rPr lang="de-DE" smtClean="0"/>
-              <a:t>13.04.2022</a:t>
+              <a:t>14.04.2022</a:t>
             </a:fld>
             <a:endParaRPr lang="de-DE"/>
           </a:p>
@@ -963,7 +968,7 @@
           <a:p>
             <a:fld id="{5997D3E4-EEA0-4D44-B5F3-9392DDFCDA6E}" type="datetime1">
               <a:rPr lang="de-DE" smtClean="0"/>
-              <a:t>13.04.2022</a:t>
+              <a:t>14.04.2022</a:t>
             </a:fld>
             <a:endParaRPr lang="de-DE"/>
           </a:p>
@@ -1136,7 +1141,7 @@
           <a:p>
             <a:fld id="{10E4A3AD-4622-4EBA-8A31-7E15A27E75FA}" type="datetime1">
               <a:rPr lang="de-DE" smtClean="0"/>
-              <a:t>13.04.2022</a:t>
+              <a:t>14.04.2022</a:t>
             </a:fld>
             <a:endParaRPr lang="de-DE"/>
           </a:p>
@@ -1383,7 +1388,7 @@
           <a:p>
             <a:fld id="{84C9EE13-94E4-484B-BA10-79412C8D4C6C}" type="datetime1">
               <a:rPr lang="de-DE" smtClean="0"/>
-              <a:t>13.04.2022</a:t>
+              <a:t>14.04.2022</a:t>
             </a:fld>
             <a:endParaRPr lang="de-DE"/>
           </a:p>
@@ -1618,7 +1623,7 @@
           <a:p>
             <a:fld id="{4D19747D-165C-424E-803B-0ACCB7EB43B6}" type="datetime1">
               <a:rPr lang="de-DE" smtClean="0"/>
-              <a:t>13.04.2022</a:t>
+              <a:t>14.04.2022</a:t>
             </a:fld>
             <a:endParaRPr lang="de-DE"/>
           </a:p>
@@ -1988,7 +1993,7 @@
           <a:p>
             <a:fld id="{C04D8F65-5535-4627-8813-8B4A1230BBA2}" type="datetime1">
               <a:rPr lang="de-DE" smtClean="0"/>
-              <a:t>13.04.2022</a:t>
+              <a:t>14.04.2022</a:t>
             </a:fld>
             <a:endParaRPr lang="de-DE"/>
           </a:p>
@@ -2109,7 +2114,7 @@
           <a:p>
             <a:fld id="{D48ACAA5-DD20-4447-8B2A-EF0FB498AA93}" type="datetime1">
               <a:rPr lang="de-DE" smtClean="0"/>
-              <a:t>13.04.2022</a:t>
+              <a:t>14.04.2022</a:t>
             </a:fld>
             <a:endParaRPr lang="de-DE"/>
           </a:p>
@@ -2207,7 +2212,7 @@
           <a:p>
             <a:fld id="{B98DE9B7-9FA2-4728-8508-64F6E45459DD}" type="datetime1">
               <a:rPr lang="de-DE" smtClean="0"/>
-              <a:t>13.04.2022</a:t>
+              <a:t>14.04.2022</a:t>
             </a:fld>
             <a:endParaRPr lang="de-DE"/>
           </a:p>
@@ -2487,7 +2492,7 @@
           <a:p>
             <a:fld id="{580B0B5B-CDB0-483E-B860-8F7B00F32900}" type="datetime1">
               <a:rPr lang="de-DE" smtClean="0"/>
-              <a:t>13.04.2022</a:t>
+              <a:t>14.04.2022</a:t>
             </a:fld>
             <a:endParaRPr lang="de-DE"/>
           </a:p>
@@ -2747,7 +2752,7 @@
           <a:p>
             <a:fld id="{994BD954-656B-43B6-B7A2-182257C7FD80}" type="datetime1">
               <a:rPr lang="de-DE" smtClean="0"/>
-              <a:t>13.04.2022</a:t>
+              <a:t>14.04.2022</a:t>
             </a:fld>
             <a:endParaRPr lang="de-DE"/>
           </a:p>
@@ -2963,7 +2968,7 @@
           <a:p>
             <a:fld id="{A6BAEBA3-0129-4300-B274-EEA02C7F9A27}" type="datetime1">
               <a:rPr lang="de-DE" smtClean="0"/>
-              <a:t>13.04.2022</a:t>
+              <a:t>14.04.2022</a:t>
             </a:fld>
             <a:endParaRPr lang="de-DE"/>
           </a:p>
@@ -4156,6 +4161,924 @@
     <p:extLst>
       <p:ext uri="{BB962C8B-B14F-4D97-AF65-F5344CB8AC3E}">
         <p14:creationId xmlns:p14="http://schemas.microsoft.com/office/powerpoint/2010/main" val="4156335915"/>
+      </p:ext>
+    </p:extLst>
+  </p:cSld>
+  <p:clrMapOvr>
+    <a:masterClrMapping/>
+  </p:clrMapOvr>
+</p:sld>
+</file>
+
+<file path=ppt/slides/slide14.xml><?xml version="1.0" encoding="utf-8"?>
+<p:sld xmlns:a="http://schemas.openxmlformats.org/drawingml/2006/main" xmlns:r="http://schemas.openxmlformats.org/officeDocument/2006/relationships" xmlns:p="http://schemas.openxmlformats.org/presentationml/2006/main">
+  <p:cSld>
+    <p:spTree>
+      <p:nvGrpSpPr>
+        <p:cNvPr id="1" name=""/>
+        <p:cNvGrpSpPr/>
+        <p:nvPr/>
+      </p:nvGrpSpPr>
+      <p:grpSpPr>
+        <a:xfrm>
+          <a:off x="0" y="0"/>
+          <a:ext cx="0" cy="0"/>
+          <a:chOff x="0" y="0"/>
+          <a:chExt cx="0" cy="0"/>
+        </a:xfrm>
+      </p:grpSpPr>
+      <p:sp>
+        <p:nvSpPr>
+          <p:cNvPr id="2" name="Titel 1">
+            <a:extLst>
+              <a:ext uri="{FF2B5EF4-FFF2-40B4-BE49-F238E27FC236}">
+                <a16:creationId xmlns:a16="http://schemas.microsoft.com/office/drawing/2014/main" id="{B3286B84-C5E5-4ADC-A187-1E09AFC5F763}"/>
+              </a:ext>
+            </a:extLst>
+          </p:cNvPr>
+          <p:cNvSpPr>
+            <a:spLocks noGrp="1"/>
+          </p:cNvSpPr>
+          <p:nvPr>
+            <p:ph type="title"/>
+          </p:nvPr>
+        </p:nvSpPr>
+        <p:spPr/>
+        <p:txBody>
+          <a:bodyPr/>
+          <a:lstStyle/>
+          <a:p>
+            <a:r>
+              <a:rPr lang="de-DE" dirty="0"/>
+              <a:t>Scheduler – CFS </a:t>
+            </a:r>
+          </a:p>
+        </p:txBody>
+      </p:sp>
+      <p:pic>
+        <p:nvPicPr>
+          <p:cNvPr id="7" name="Inhaltsplatzhalter 6">
+            <a:extLst>
+              <a:ext uri="{FF2B5EF4-FFF2-40B4-BE49-F238E27FC236}">
+                <a16:creationId xmlns:a16="http://schemas.microsoft.com/office/drawing/2014/main" id="{17A5A81B-28A6-4B9F-A7B1-B10AAADDF595}"/>
+              </a:ext>
+            </a:extLst>
+          </p:cNvPr>
+          <p:cNvPicPr>
+            <a:picLocks noGrp="1" noChangeAspect="1"/>
+          </p:cNvPicPr>
+          <p:nvPr>
+            <p:ph idx="1"/>
+          </p:nvPr>
+        </p:nvPicPr>
+        <p:blipFill rotWithShape="1">
+          <a:blip r:embed="rId2">
+            <a:extLst>
+              <a:ext uri="{28A0092B-C50C-407E-A947-70E740481C1C}">
+                <a14:useLocalDpi xmlns:a14="http://schemas.microsoft.com/office/drawing/2010/main" val="0"/>
+              </a:ext>
+              <a:ext uri="{96DAC541-7B7A-43D3-8B79-37D633B846F1}">
+                <asvg:svgBlip xmlns:asvg="http://schemas.microsoft.com/office/drawing/2016/SVG/main" r:embed="rId3"/>
+              </a:ext>
+            </a:extLst>
+          </a:blip>
+          <a:srcRect r="63390"/>
+          <a:stretch/>
+        </p:blipFill>
+        <p:spPr>
+          <a:xfrm>
+            <a:off x="5627985" y="1289275"/>
+            <a:ext cx="2887365" cy="4279449"/>
+          </a:xfrm>
+        </p:spPr>
+      </p:pic>
+      <p:sp>
+        <p:nvSpPr>
+          <p:cNvPr id="4" name="Fußzeilenplatzhalter 3">
+            <a:extLst>
+              <a:ext uri="{FF2B5EF4-FFF2-40B4-BE49-F238E27FC236}">
+                <a16:creationId xmlns:a16="http://schemas.microsoft.com/office/drawing/2014/main" id="{71653EEF-6D5B-4793-ADC9-A1FB0AA38767}"/>
+              </a:ext>
+            </a:extLst>
+          </p:cNvPr>
+          <p:cNvSpPr>
+            <a:spLocks noGrp="1"/>
+          </p:cNvSpPr>
+          <p:nvPr>
+            <p:ph type="ftr" sz="quarter" idx="11"/>
+          </p:nvPr>
+        </p:nvSpPr>
+        <p:spPr/>
+        <p:txBody>
+          <a:bodyPr/>
+          <a:lstStyle/>
+          <a:p>
+            <a:r>
+              <a:rPr lang="de-DE"/>
+              <a:t>Philipp Bleimund</a:t>
+            </a:r>
+          </a:p>
+        </p:txBody>
+      </p:sp>
+      <p:sp>
+        <p:nvSpPr>
+          <p:cNvPr id="5" name="Foliennummernplatzhalter 4">
+            <a:extLst>
+              <a:ext uri="{FF2B5EF4-FFF2-40B4-BE49-F238E27FC236}">
+                <a16:creationId xmlns:a16="http://schemas.microsoft.com/office/drawing/2014/main" id="{0C62764F-6C28-4FFC-9B12-B066F7A12169}"/>
+              </a:ext>
+            </a:extLst>
+          </p:cNvPr>
+          <p:cNvSpPr>
+            <a:spLocks noGrp="1"/>
+          </p:cNvSpPr>
+          <p:nvPr>
+            <p:ph type="sldNum" sz="quarter" idx="12"/>
+          </p:nvPr>
+        </p:nvSpPr>
+        <p:spPr/>
+        <p:txBody>
+          <a:bodyPr/>
+          <a:lstStyle/>
+          <a:p>
+            <a:fld id="{6A3BE01B-E48A-45AF-919C-31520C7B5ECC}" type="slidenum">
+              <a:rPr lang="de-DE" smtClean="0"/>
+              <a:t>14</a:t>
+            </a:fld>
+            <a:endParaRPr lang="de-DE"/>
+          </a:p>
+        </p:txBody>
+      </p:sp>
+      <p:sp>
+        <p:nvSpPr>
+          <p:cNvPr id="8" name="Textfeld 7">
+            <a:extLst>
+              <a:ext uri="{FF2B5EF4-FFF2-40B4-BE49-F238E27FC236}">
+                <a16:creationId xmlns:a16="http://schemas.microsoft.com/office/drawing/2014/main" id="{C476497E-6A60-489B-9B9A-F5ED08139B30}"/>
+              </a:ext>
+            </a:extLst>
+          </p:cNvPr>
+          <p:cNvSpPr txBox="1"/>
+          <p:nvPr/>
+        </p:nvSpPr>
+        <p:spPr>
+          <a:xfrm>
+            <a:off x="628650" y="2921167"/>
+            <a:ext cx="4020042" cy="1015663"/>
+          </a:xfrm>
+          <a:prstGeom prst="rect">
+            <a:avLst/>
+          </a:prstGeom>
+          <a:noFill/>
+        </p:spPr>
+        <p:txBody>
+          <a:bodyPr wrap="square" rtlCol="0">
+            <a:spAutoFit/>
+          </a:bodyPr>
+          <a:lstStyle/>
+          <a:p>
+            <a:pPr marL="285750" indent="-285750">
+              <a:buFont typeface="Arial" panose="020B0604020202020204" pitchFamily="34" charset="0"/>
+              <a:buChar char="•"/>
+            </a:pPr>
+            <a:r>
+              <a:rPr lang="de-DE" sz="2000" dirty="0" err="1"/>
+              <a:t>vruntime</a:t>
+            </a:r>
+            <a:r>
+              <a:rPr lang="de-DE" sz="2000" dirty="0"/>
+              <a:t> für jeden Prozess</a:t>
+            </a:r>
+          </a:p>
+          <a:p>
+            <a:pPr marL="285750" indent="-285750">
+              <a:buFont typeface="Arial" panose="020B0604020202020204" pitchFamily="34" charset="0"/>
+              <a:buChar char="•"/>
+            </a:pPr>
+            <a:r>
+              <a:rPr lang="de-DE" sz="2000" dirty="0"/>
+              <a:t>Pointer auf kleinstes Element</a:t>
+            </a:r>
+          </a:p>
+          <a:p>
+            <a:pPr marL="285750" indent="-285750">
+              <a:buFont typeface="Arial" panose="020B0604020202020204" pitchFamily="34" charset="0"/>
+              <a:buChar char="•"/>
+            </a:pPr>
+            <a:r>
+              <a:rPr lang="de-DE" sz="2000" dirty="0"/>
+              <a:t>Rot-Schwarz Baum</a:t>
+            </a:r>
+          </a:p>
+        </p:txBody>
+      </p:sp>
+    </p:spTree>
+    <p:extLst>
+      <p:ext uri="{BB962C8B-B14F-4D97-AF65-F5344CB8AC3E}">
+        <p14:creationId xmlns:p14="http://schemas.microsoft.com/office/powerpoint/2010/main" val="3770827276"/>
+      </p:ext>
+    </p:extLst>
+  </p:cSld>
+  <p:clrMapOvr>
+    <a:masterClrMapping/>
+  </p:clrMapOvr>
+</p:sld>
+</file>
+
+<file path=ppt/slides/slide15.xml><?xml version="1.0" encoding="utf-8"?>
+<p:sld xmlns:a="http://schemas.openxmlformats.org/drawingml/2006/main" xmlns:r="http://schemas.openxmlformats.org/officeDocument/2006/relationships" xmlns:p="http://schemas.openxmlformats.org/presentationml/2006/main">
+  <p:cSld>
+    <p:spTree>
+      <p:nvGrpSpPr>
+        <p:cNvPr id="1" name=""/>
+        <p:cNvGrpSpPr/>
+        <p:nvPr/>
+      </p:nvGrpSpPr>
+      <p:grpSpPr>
+        <a:xfrm>
+          <a:off x="0" y="0"/>
+          <a:ext cx="0" cy="0"/>
+          <a:chOff x="0" y="0"/>
+          <a:chExt cx="0" cy="0"/>
+        </a:xfrm>
+      </p:grpSpPr>
+      <p:sp>
+        <p:nvSpPr>
+          <p:cNvPr id="2" name="Titel 1">
+            <a:extLst>
+              <a:ext uri="{FF2B5EF4-FFF2-40B4-BE49-F238E27FC236}">
+                <a16:creationId xmlns:a16="http://schemas.microsoft.com/office/drawing/2014/main" id="{D4CBD4EC-9A76-4A0E-A702-23FE062FF281}"/>
+              </a:ext>
+            </a:extLst>
+          </p:cNvPr>
+          <p:cNvSpPr>
+            <a:spLocks noGrp="1"/>
+          </p:cNvSpPr>
+          <p:nvPr>
+            <p:ph type="title"/>
+          </p:nvPr>
+        </p:nvSpPr>
+        <p:spPr/>
+        <p:txBody>
+          <a:bodyPr/>
+          <a:lstStyle/>
+          <a:p>
+            <a:r>
+              <a:rPr lang="de-DE" dirty="0"/>
+              <a:t>CFS– </a:t>
+            </a:r>
+            <a:r>
+              <a:rPr lang="de-DE" dirty="0" err="1"/>
+              <a:t>vruntime</a:t>
+            </a:r>
+            <a:endParaRPr lang="de-DE" dirty="0"/>
+          </a:p>
+        </p:txBody>
+      </p:sp>
+      <p:sp>
+        <p:nvSpPr>
+          <p:cNvPr id="3" name="Inhaltsplatzhalter 2">
+            <a:extLst>
+              <a:ext uri="{FF2B5EF4-FFF2-40B4-BE49-F238E27FC236}">
+                <a16:creationId xmlns:a16="http://schemas.microsoft.com/office/drawing/2014/main" id="{6B685902-0152-4F9C-8085-E69441446B02}"/>
+              </a:ext>
+            </a:extLst>
+          </p:cNvPr>
+          <p:cNvSpPr>
+            <a:spLocks noGrp="1"/>
+          </p:cNvSpPr>
+          <p:nvPr>
+            <p:ph idx="1"/>
+          </p:nvPr>
+        </p:nvSpPr>
+        <p:spPr>
+          <a:xfrm>
+            <a:off x="585326" y="2486352"/>
+            <a:ext cx="4887247" cy="858581"/>
+          </a:xfrm>
+        </p:spPr>
+        <p:txBody>
+          <a:bodyPr>
+            <a:normAutofit/>
+          </a:bodyPr>
+          <a:lstStyle/>
+          <a:p>
+            <a:r>
+              <a:rPr lang="de-DE" sz="2000" dirty="0">
+                <a:latin typeface="+mj-lt"/>
+                <a:ea typeface="+mj-ea"/>
+                <a:cs typeface="+mj-cs"/>
+              </a:rPr>
+              <a:t>SCHED NORMAL/SCHED OTHER</a:t>
+            </a:r>
+          </a:p>
+          <a:p>
+            <a:r>
+              <a:rPr lang="de-DE" sz="2000" dirty="0">
+                <a:latin typeface="+mj-lt"/>
+                <a:ea typeface="+mj-ea"/>
+                <a:cs typeface="+mj-cs"/>
+              </a:rPr>
+              <a:t>SCHED BATCH</a:t>
+            </a:r>
+          </a:p>
+        </p:txBody>
+      </p:sp>
+      <p:sp>
+        <p:nvSpPr>
+          <p:cNvPr id="4" name="Fußzeilenplatzhalter 3">
+            <a:extLst>
+              <a:ext uri="{FF2B5EF4-FFF2-40B4-BE49-F238E27FC236}">
+                <a16:creationId xmlns:a16="http://schemas.microsoft.com/office/drawing/2014/main" id="{1489C31A-CDA8-4D03-8855-2C3AD1E109F7}"/>
+              </a:ext>
+            </a:extLst>
+          </p:cNvPr>
+          <p:cNvSpPr>
+            <a:spLocks noGrp="1"/>
+          </p:cNvSpPr>
+          <p:nvPr>
+            <p:ph type="ftr" sz="quarter" idx="11"/>
+          </p:nvPr>
+        </p:nvSpPr>
+        <p:spPr/>
+        <p:txBody>
+          <a:bodyPr/>
+          <a:lstStyle/>
+          <a:p>
+            <a:r>
+              <a:rPr lang="de-DE"/>
+              <a:t>Philipp Bleimund</a:t>
+            </a:r>
+          </a:p>
+        </p:txBody>
+      </p:sp>
+      <p:sp>
+        <p:nvSpPr>
+          <p:cNvPr id="5" name="Foliennummernplatzhalter 4">
+            <a:extLst>
+              <a:ext uri="{FF2B5EF4-FFF2-40B4-BE49-F238E27FC236}">
+                <a16:creationId xmlns:a16="http://schemas.microsoft.com/office/drawing/2014/main" id="{17A89A25-6F3C-4A94-ADF5-46C3B6A772DA}"/>
+              </a:ext>
+            </a:extLst>
+          </p:cNvPr>
+          <p:cNvSpPr>
+            <a:spLocks noGrp="1"/>
+          </p:cNvSpPr>
+          <p:nvPr>
+            <p:ph type="sldNum" sz="quarter" idx="12"/>
+          </p:nvPr>
+        </p:nvSpPr>
+        <p:spPr/>
+        <p:txBody>
+          <a:bodyPr/>
+          <a:lstStyle/>
+          <a:p>
+            <a:fld id="{6A3BE01B-E48A-45AF-919C-31520C7B5ECC}" type="slidenum">
+              <a:rPr lang="de-DE" smtClean="0"/>
+              <a:t>15</a:t>
+            </a:fld>
+            <a:endParaRPr lang="de-DE"/>
+          </a:p>
+        </p:txBody>
+      </p:sp>
+      <p:sp>
+        <p:nvSpPr>
+          <p:cNvPr id="6" name="Textfeld 5">
+            <a:extLst>
+              <a:ext uri="{FF2B5EF4-FFF2-40B4-BE49-F238E27FC236}">
+                <a16:creationId xmlns:a16="http://schemas.microsoft.com/office/drawing/2014/main" id="{083E2A32-B4DA-4373-8B56-5009B054B7E9}"/>
+              </a:ext>
+            </a:extLst>
+          </p:cNvPr>
+          <p:cNvSpPr txBox="1"/>
+          <p:nvPr/>
+        </p:nvSpPr>
+        <p:spPr>
+          <a:xfrm>
+            <a:off x="5146818" y="3723077"/>
+            <a:ext cx="3368532" cy="400110"/>
+          </a:xfrm>
+          <a:prstGeom prst="rect">
+            <a:avLst/>
+          </a:prstGeom>
+          <a:noFill/>
+        </p:spPr>
+        <p:txBody>
+          <a:bodyPr wrap="square" rtlCol="0">
+            <a:spAutoFit/>
+          </a:bodyPr>
+          <a:lstStyle/>
+          <a:p>
+            <a:pPr marL="285750" indent="-285750">
+              <a:buFont typeface="Arial" panose="020B0604020202020204" pitchFamily="34" charset="0"/>
+              <a:buChar char="•"/>
+            </a:pPr>
+            <a:r>
+              <a:rPr lang="de-DE" sz="2000" dirty="0"/>
+              <a:t>nice-Werte von -20 bis 19</a:t>
+            </a:r>
+          </a:p>
+        </p:txBody>
+      </p:sp>
+      <p:pic>
+        <p:nvPicPr>
+          <p:cNvPr id="8" name="Grafik 7">
+            <a:extLst>
+              <a:ext uri="{FF2B5EF4-FFF2-40B4-BE49-F238E27FC236}">
+                <a16:creationId xmlns:a16="http://schemas.microsoft.com/office/drawing/2014/main" id="{4E98D8BF-3A79-462C-A470-F3914D04A309}"/>
+              </a:ext>
+            </a:extLst>
+          </p:cNvPr>
+          <p:cNvPicPr>
+            <a:picLocks noChangeAspect="1"/>
+          </p:cNvPicPr>
+          <p:nvPr/>
+        </p:nvPicPr>
+        <p:blipFill>
+          <a:blip r:embed="rId2">
+            <a:extLst>
+              <a:ext uri="{28A0092B-C50C-407E-A947-70E740481C1C}">
+                <a14:useLocalDpi xmlns:a14="http://schemas.microsoft.com/office/drawing/2010/main" val="0"/>
+              </a:ext>
+              <a:ext uri="{96DAC541-7B7A-43D3-8B79-37D633B846F1}">
+                <asvg:svgBlip xmlns:asvg="http://schemas.microsoft.com/office/drawing/2016/SVG/main" r:embed="rId3"/>
+              </a:ext>
+            </a:extLst>
+          </a:blip>
+          <a:stretch>
+            <a:fillRect/>
+          </a:stretch>
+        </p:blipFill>
+        <p:spPr>
+          <a:xfrm>
+            <a:off x="1001125" y="4901441"/>
+            <a:ext cx="4055650" cy="400109"/>
+          </a:xfrm>
+          <a:prstGeom prst="rect">
+            <a:avLst/>
+          </a:prstGeom>
+        </p:spPr>
+      </p:pic>
+    </p:spTree>
+    <p:extLst>
+      <p:ext uri="{BB962C8B-B14F-4D97-AF65-F5344CB8AC3E}">
+        <p14:creationId xmlns:p14="http://schemas.microsoft.com/office/powerpoint/2010/main" val="1879852901"/>
+      </p:ext>
+    </p:extLst>
+  </p:cSld>
+  <p:clrMapOvr>
+    <a:masterClrMapping/>
+  </p:clrMapOvr>
+</p:sld>
+</file>
+
+<file path=ppt/slides/slide16.xml><?xml version="1.0" encoding="utf-8"?>
+<p:sld xmlns:a="http://schemas.openxmlformats.org/drawingml/2006/main" xmlns:r="http://schemas.openxmlformats.org/officeDocument/2006/relationships" xmlns:p="http://schemas.openxmlformats.org/presentationml/2006/main">
+  <p:cSld>
+    <p:spTree>
+      <p:nvGrpSpPr>
+        <p:cNvPr id="1" name=""/>
+        <p:cNvGrpSpPr/>
+        <p:nvPr/>
+      </p:nvGrpSpPr>
+      <p:grpSpPr>
+        <a:xfrm>
+          <a:off x="0" y="0"/>
+          <a:ext cx="0" cy="0"/>
+          <a:chOff x="0" y="0"/>
+          <a:chExt cx="0" cy="0"/>
+        </a:xfrm>
+      </p:grpSpPr>
+      <p:sp>
+        <p:nvSpPr>
+          <p:cNvPr id="2" name="Titel 1">
+            <a:extLst>
+              <a:ext uri="{FF2B5EF4-FFF2-40B4-BE49-F238E27FC236}">
+                <a16:creationId xmlns:a16="http://schemas.microsoft.com/office/drawing/2014/main" id="{B2C03661-7176-4926-88D2-D60CA0AC0C27}"/>
+              </a:ext>
+            </a:extLst>
+          </p:cNvPr>
+          <p:cNvSpPr>
+            <a:spLocks noGrp="1"/>
+          </p:cNvSpPr>
+          <p:nvPr>
+            <p:ph type="title"/>
+          </p:nvPr>
+        </p:nvSpPr>
+        <p:spPr/>
+        <p:txBody>
+          <a:bodyPr/>
+          <a:lstStyle/>
+          <a:p>
+            <a:r>
+              <a:rPr lang="de-DE" dirty="0"/>
+              <a:t>Threads – Modell </a:t>
+            </a:r>
+          </a:p>
+        </p:txBody>
+      </p:sp>
+      <p:pic>
+        <p:nvPicPr>
+          <p:cNvPr id="7" name="Inhaltsplatzhalter 6">
+            <a:extLst>
+              <a:ext uri="{FF2B5EF4-FFF2-40B4-BE49-F238E27FC236}">
+                <a16:creationId xmlns:a16="http://schemas.microsoft.com/office/drawing/2014/main" id="{61D1A47C-B85A-42CC-B028-75BB9559120E}"/>
+              </a:ext>
+            </a:extLst>
+          </p:cNvPr>
+          <p:cNvPicPr>
+            <a:picLocks noGrp="1" noChangeAspect="1"/>
+          </p:cNvPicPr>
+          <p:nvPr>
+            <p:ph idx="1"/>
+          </p:nvPr>
+        </p:nvPicPr>
+        <p:blipFill>
+          <a:blip r:embed="rId2">
+            <a:extLst>
+              <a:ext uri="{28A0092B-C50C-407E-A947-70E740481C1C}">
+                <a14:useLocalDpi xmlns:a14="http://schemas.microsoft.com/office/drawing/2010/main" val="0"/>
+              </a:ext>
+              <a:ext uri="{96DAC541-7B7A-43D3-8B79-37D633B846F1}">
+                <asvg:svgBlip xmlns:asvg="http://schemas.microsoft.com/office/drawing/2016/SVG/main" r:embed="rId3"/>
+              </a:ext>
+            </a:extLst>
+          </a:blip>
+          <a:stretch>
+            <a:fillRect/>
+          </a:stretch>
+        </p:blipFill>
+        <p:spPr>
+          <a:xfrm>
+            <a:off x="3314700" y="2939256"/>
+            <a:ext cx="2514600" cy="2124075"/>
+          </a:xfrm>
+        </p:spPr>
+      </p:pic>
+      <p:sp>
+        <p:nvSpPr>
+          <p:cNvPr id="4" name="Fußzeilenplatzhalter 3">
+            <a:extLst>
+              <a:ext uri="{FF2B5EF4-FFF2-40B4-BE49-F238E27FC236}">
+                <a16:creationId xmlns:a16="http://schemas.microsoft.com/office/drawing/2014/main" id="{3D208B98-2325-4692-BF7D-12178C80D7A9}"/>
+              </a:ext>
+            </a:extLst>
+          </p:cNvPr>
+          <p:cNvSpPr>
+            <a:spLocks noGrp="1"/>
+          </p:cNvSpPr>
+          <p:nvPr>
+            <p:ph type="ftr" sz="quarter" idx="11"/>
+          </p:nvPr>
+        </p:nvSpPr>
+        <p:spPr/>
+        <p:txBody>
+          <a:bodyPr/>
+          <a:lstStyle/>
+          <a:p>
+            <a:r>
+              <a:rPr lang="de-DE"/>
+              <a:t>Philipp Bleimund</a:t>
+            </a:r>
+          </a:p>
+        </p:txBody>
+      </p:sp>
+      <p:sp>
+        <p:nvSpPr>
+          <p:cNvPr id="5" name="Foliennummernplatzhalter 4">
+            <a:extLst>
+              <a:ext uri="{FF2B5EF4-FFF2-40B4-BE49-F238E27FC236}">
+                <a16:creationId xmlns:a16="http://schemas.microsoft.com/office/drawing/2014/main" id="{D95552D4-191A-46CF-B74E-920A475EB8E3}"/>
+              </a:ext>
+            </a:extLst>
+          </p:cNvPr>
+          <p:cNvSpPr>
+            <a:spLocks noGrp="1"/>
+          </p:cNvSpPr>
+          <p:nvPr>
+            <p:ph type="sldNum" sz="quarter" idx="12"/>
+          </p:nvPr>
+        </p:nvSpPr>
+        <p:spPr/>
+        <p:txBody>
+          <a:bodyPr/>
+          <a:lstStyle/>
+          <a:p>
+            <a:fld id="{6A3BE01B-E48A-45AF-919C-31520C7B5ECC}" type="slidenum">
+              <a:rPr lang="de-DE" smtClean="0"/>
+              <a:t>16</a:t>
+            </a:fld>
+            <a:endParaRPr lang="de-DE"/>
+          </a:p>
+        </p:txBody>
+      </p:sp>
+    </p:spTree>
+    <p:extLst>
+      <p:ext uri="{BB962C8B-B14F-4D97-AF65-F5344CB8AC3E}">
+        <p14:creationId xmlns:p14="http://schemas.microsoft.com/office/powerpoint/2010/main" val="2704819140"/>
+      </p:ext>
+    </p:extLst>
+  </p:cSld>
+  <p:clrMapOvr>
+    <a:masterClrMapping/>
+  </p:clrMapOvr>
+</p:sld>
+</file>
+
+<file path=ppt/slides/slide17.xml><?xml version="1.0" encoding="utf-8"?>
+<p:sld xmlns:a="http://schemas.openxmlformats.org/drawingml/2006/main" xmlns:r="http://schemas.openxmlformats.org/officeDocument/2006/relationships" xmlns:p="http://schemas.openxmlformats.org/presentationml/2006/main">
+  <p:cSld>
+    <p:spTree>
+      <p:nvGrpSpPr>
+        <p:cNvPr id="1" name=""/>
+        <p:cNvGrpSpPr/>
+        <p:nvPr/>
+      </p:nvGrpSpPr>
+      <p:grpSpPr>
+        <a:xfrm>
+          <a:off x="0" y="0"/>
+          <a:ext cx="0" cy="0"/>
+          <a:chOff x="0" y="0"/>
+          <a:chExt cx="0" cy="0"/>
+        </a:xfrm>
+      </p:grpSpPr>
+      <p:sp>
+        <p:nvSpPr>
+          <p:cNvPr id="2" name="Titel 1">
+            <a:extLst>
+              <a:ext uri="{FF2B5EF4-FFF2-40B4-BE49-F238E27FC236}">
+                <a16:creationId xmlns:a16="http://schemas.microsoft.com/office/drawing/2014/main" id="{2B77DE27-985B-4A51-96C3-ED460F2628CF}"/>
+              </a:ext>
+            </a:extLst>
+          </p:cNvPr>
+          <p:cNvSpPr>
+            <a:spLocks noGrp="1"/>
+          </p:cNvSpPr>
+          <p:nvPr>
+            <p:ph type="title"/>
+          </p:nvPr>
+        </p:nvSpPr>
+        <p:spPr/>
+        <p:txBody>
+          <a:bodyPr/>
+          <a:lstStyle/>
+          <a:p>
+            <a:r>
+              <a:rPr lang="de-DE" dirty="0"/>
+              <a:t>Threads – Arten </a:t>
+            </a:r>
+          </a:p>
+        </p:txBody>
+      </p:sp>
+      <p:sp>
+        <p:nvSpPr>
+          <p:cNvPr id="3" name="Inhaltsplatzhalter 2">
+            <a:extLst>
+              <a:ext uri="{FF2B5EF4-FFF2-40B4-BE49-F238E27FC236}">
+                <a16:creationId xmlns:a16="http://schemas.microsoft.com/office/drawing/2014/main" id="{E19B5AAB-A74A-4A5A-83AA-5D2DA0F6C897}"/>
+              </a:ext>
+            </a:extLst>
+          </p:cNvPr>
+          <p:cNvSpPr>
+            <a:spLocks noGrp="1"/>
+          </p:cNvSpPr>
+          <p:nvPr>
+            <p:ph idx="1"/>
+          </p:nvPr>
+        </p:nvSpPr>
+        <p:spPr/>
+        <p:txBody>
+          <a:bodyPr/>
+          <a:lstStyle/>
+          <a:p>
+            <a:r>
+              <a:rPr lang="de-DE" dirty="0"/>
+              <a:t>Nutzer Level Threads</a:t>
+            </a:r>
+          </a:p>
+          <a:p>
+            <a:pPr lvl="1"/>
+            <a:r>
+              <a:rPr lang="de-DE" dirty="0"/>
+              <a:t>unabhängig vom Betriebssystem</a:t>
+            </a:r>
+          </a:p>
+          <a:p>
+            <a:r>
+              <a:rPr lang="de-DE" dirty="0"/>
+              <a:t>Kernel Level Threads</a:t>
+            </a:r>
+          </a:p>
+          <a:p>
+            <a:pPr lvl="1"/>
+            <a:r>
+              <a:rPr lang="de-DE" dirty="0"/>
+              <a:t>vom Betriebssystem implementiert</a:t>
+            </a:r>
+          </a:p>
+        </p:txBody>
+      </p:sp>
+      <p:sp>
+        <p:nvSpPr>
+          <p:cNvPr id="4" name="Fußzeilenplatzhalter 3">
+            <a:extLst>
+              <a:ext uri="{FF2B5EF4-FFF2-40B4-BE49-F238E27FC236}">
+                <a16:creationId xmlns:a16="http://schemas.microsoft.com/office/drawing/2014/main" id="{DA67B6DD-9B33-4C34-B244-D3488FE27487}"/>
+              </a:ext>
+            </a:extLst>
+          </p:cNvPr>
+          <p:cNvSpPr>
+            <a:spLocks noGrp="1"/>
+          </p:cNvSpPr>
+          <p:nvPr>
+            <p:ph type="ftr" sz="quarter" idx="11"/>
+          </p:nvPr>
+        </p:nvSpPr>
+        <p:spPr/>
+        <p:txBody>
+          <a:bodyPr/>
+          <a:lstStyle/>
+          <a:p>
+            <a:r>
+              <a:rPr lang="de-DE"/>
+              <a:t>Philipp Bleimund</a:t>
+            </a:r>
+          </a:p>
+        </p:txBody>
+      </p:sp>
+      <p:sp>
+        <p:nvSpPr>
+          <p:cNvPr id="5" name="Foliennummernplatzhalter 4">
+            <a:extLst>
+              <a:ext uri="{FF2B5EF4-FFF2-40B4-BE49-F238E27FC236}">
+                <a16:creationId xmlns:a16="http://schemas.microsoft.com/office/drawing/2014/main" id="{D0C6E2EB-13EE-4397-ABB7-FDB60DC48C2E}"/>
+              </a:ext>
+            </a:extLst>
+          </p:cNvPr>
+          <p:cNvSpPr>
+            <a:spLocks noGrp="1"/>
+          </p:cNvSpPr>
+          <p:nvPr>
+            <p:ph type="sldNum" sz="quarter" idx="12"/>
+          </p:nvPr>
+        </p:nvSpPr>
+        <p:spPr/>
+        <p:txBody>
+          <a:bodyPr/>
+          <a:lstStyle/>
+          <a:p>
+            <a:fld id="{6A3BE01B-E48A-45AF-919C-31520C7B5ECC}" type="slidenum">
+              <a:rPr lang="de-DE" smtClean="0"/>
+              <a:t>17</a:t>
+            </a:fld>
+            <a:endParaRPr lang="de-DE"/>
+          </a:p>
+        </p:txBody>
+      </p:sp>
+    </p:spTree>
+    <p:extLst>
+      <p:ext uri="{BB962C8B-B14F-4D97-AF65-F5344CB8AC3E}">
+        <p14:creationId xmlns:p14="http://schemas.microsoft.com/office/powerpoint/2010/main" val="353428644"/>
+      </p:ext>
+    </p:extLst>
+  </p:cSld>
+  <p:clrMapOvr>
+    <a:masterClrMapping/>
+  </p:clrMapOvr>
+</p:sld>
+</file>
+
+<file path=ppt/slides/slide18.xml><?xml version="1.0" encoding="utf-8"?>
+<p:sld xmlns:a="http://schemas.openxmlformats.org/drawingml/2006/main" xmlns:r="http://schemas.openxmlformats.org/officeDocument/2006/relationships" xmlns:p="http://schemas.openxmlformats.org/presentationml/2006/main">
+  <p:cSld>
+    <p:spTree>
+      <p:nvGrpSpPr>
+        <p:cNvPr id="1" name=""/>
+        <p:cNvGrpSpPr/>
+        <p:nvPr/>
+      </p:nvGrpSpPr>
+      <p:grpSpPr>
+        <a:xfrm>
+          <a:off x="0" y="0"/>
+          <a:ext cx="0" cy="0"/>
+          <a:chOff x="0" y="0"/>
+          <a:chExt cx="0" cy="0"/>
+        </a:xfrm>
+      </p:grpSpPr>
+      <p:sp>
+        <p:nvSpPr>
+          <p:cNvPr id="2" name="Titel 1">
+            <a:extLst>
+              <a:ext uri="{FF2B5EF4-FFF2-40B4-BE49-F238E27FC236}">
+                <a16:creationId xmlns:a16="http://schemas.microsoft.com/office/drawing/2014/main" id="{572C664A-BF82-4DB6-BD2B-3AC41CB2C7F4}"/>
+              </a:ext>
+            </a:extLst>
+          </p:cNvPr>
+          <p:cNvSpPr>
+            <a:spLocks noGrp="1"/>
+          </p:cNvSpPr>
+          <p:nvPr>
+            <p:ph type="title"/>
+          </p:nvPr>
+        </p:nvSpPr>
+        <p:spPr/>
+        <p:txBody>
+          <a:bodyPr/>
+          <a:lstStyle/>
+          <a:p>
+            <a:r>
+              <a:rPr lang="de-DE" dirty="0"/>
+              <a:t>Thread – Threadsicherheit</a:t>
+            </a:r>
+          </a:p>
+        </p:txBody>
+      </p:sp>
+      <p:sp>
+        <p:nvSpPr>
+          <p:cNvPr id="3" name="Inhaltsplatzhalter 2">
+            <a:extLst>
+              <a:ext uri="{FF2B5EF4-FFF2-40B4-BE49-F238E27FC236}">
+                <a16:creationId xmlns:a16="http://schemas.microsoft.com/office/drawing/2014/main" id="{CEF4FACD-6AC9-46AE-8F54-D7DDD72BE91F}"/>
+              </a:ext>
+            </a:extLst>
+          </p:cNvPr>
+          <p:cNvSpPr>
+            <a:spLocks noGrp="1"/>
+          </p:cNvSpPr>
+          <p:nvPr>
+            <p:ph idx="1"/>
+          </p:nvPr>
+        </p:nvSpPr>
+        <p:spPr/>
+        <p:txBody>
+          <a:bodyPr/>
+          <a:lstStyle/>
+          <a:p>
+            <a:endParaRPr lang="de-DE"/>
+          </a:p>
+        </p:txBody>
+      </p:sp>
+      <p:sp>
+        <p:nvSpPr>
+          <p:cNvPr id="4" name="Fußzeilenplatzhalter 3">
+            <a:extLst>
+              <a:ext uri="{FF2B5EF4-FFF2-40B4-BE49-F238E27FC236}">
+                <a16:creationId xmlns:a16="http://schemas.microsoft.com/office/drawing/2014/main" id="{27B99869-E1EE-4F82-A39D-F2AAF6B6ECAE}"/>
+              </a:ext>
+            </a:extLst>
+          </p:cNvPr>
+          <p:cNvSpPr>
+            <a:spLocks noGrp="1"/>
+          </p:cNvSpPr>
+          <p:nvPr>
+            <p:ph type="ftr" sz="quarter" idx="11"/>
+          </p:nvPr>
+        </p:nvSpPr>
+        <p:spPr/>
+        <p:txBody>
+          <a:bodyPr/>
+          <a:lstStyle/>
+          <a:p>
+            <a:r>
+              <a:rPr lang="de-DE"/>
+              <a:t>Philipp Bleimund</a:t>
+            </a:r>
+          </a:p>
+        </p:txBody>
+      </p:sp>
+      <p:sp>
+        <p:nvSpPr>
+          <p:cNvPr id="5" name="Foliennummernplatzhalter 4">
+            <a:extLst>
+              <a:ext uri="{FF2B5EF4-FFF2-40B4-BE49-F238E27FC236}">
+                <a16:creationId xmlns:a16="http://schemas.microsoft.com/office/drawing/2014/main" id="{46AD1551-F60C-405D-A7D4-C41903F1CC0C}"/>
+              </a:ext>
+            </a:extLst>
+          </p:cNvPr>
+          <p:cNvSpPr>
+            <a:spLocks noGrp="1"/>
+          </p:cNvSpPr>
+          <p:nvPr>
+            <p:ph type="sldNum" sz="quarter" idx="12"/>
+          </p:nvPr>
+        </p:nvSpPr>
+        <p:spPr/>
+        <p:txBody>
+          <a:bodyPr/>
+          <a:lstStyle/>
+          <a:p>
+            <a:fld id="{6A3BE01B-E48A-45AF-919C-31520C7B5ECC}" type="slidenum">
+              <a:rPr lang="de-DE" smtClean="0"/>
+              <a:t>18</a:t>
+            </a:fld>
+            <a:endParaRPr lang="de-DE"/>
+          </a:p>
+        </p:txBody>
+      </p:sp>
+    </p:spTree>
+    <p:extLst>
+      <p:ext uri="{BB962C8B-B14F-4D97-AF65-F5344CB8AC3E}">
+        <p14:creationId xmlns:p14="http://schemas.microsoft.com/office/powerpoint/2010/main" val="1363124725"/>
       </p:ext>
     </p:extLst>
   </p:cSld>
